--- a/CRA_C.pptx
+++ b/CRA_C.pptx
@@ -275,7 +275,7 @@
       <p15:sldGuideLst xmlns:p15="http://schemas.microsoft.com/office/powerpoint/2012/main"/>
     </p:ext>
     <p:ext uri="GoogleSlidesCustomDataVersion2">
-      <go:slidesCustomData xmlns="" xmlns:mc="http://schemas.openxmlformats.org/markup-compatibility/2006" xmlns:mv="urn:schemas-microsoft-com:mac:vml" xmlns:c="http://schemas.openxmlformats.org/drawingml/2006/chart" xmlns:dgm="http://schemas.openxmlformats.org/drawingml/2006/diagram" xmlns:o="urn:schemas-microsoft-com:office:office" xmlns:v="urn:schemas-microsoft-com:vml" xmlns:pvml="urn:schemas-microsoft-com:office:powerpoint" xmlns:com="http://schemas.openxmlformats.org/drawingml/2006/compatibility" xmlns:p14="http://schemas.microsoft.com/office/powerpoint/2010/main" xmlns:p15="http://schemas.microsoft.com/office/powerpoint/2012/main" xmlns:ahyp="http://schemas.microsoft.com/office/drawing/2018/hyperlinkcolor" xmlns:go="http://customooxmlschemas.google.com/" r:id="rId17" roundtripDataSignature="AMtx7mj5GdbxsaFl02bTEFBl/9s84/Z/Bw=="/>
+      <go:slidesCustomData xmlns:go="http://customooxmlschemas.google.com/" xmlns:ahyp="http://schemas.microsoft.com/office/drawing/2018/hyperlinkcolor" xmlns:p15="http://schemas.microsoft.com/office/powerpoint/2012/main" xmlns:p14="http://schemas.microsoft.com/office/powerpoint/2010/main" xmlns:com="http://schemas.openxmlformats.org/drawingml/2006/compatibility" xmlns:pvml="urn:schemas-microsoft-com:office:powerpoint" xmlns:v="urn:schemas-microsoft-com:vml" xmlns:o="urn:schemas-microsoft-com:office:office" xmlns:dgm="http://schemas.openxmlformats.org/drawingml/2006/diagram" xmlns:c="http://schemas.openxmlformats.org/drawingml/2006/chart" xmlns:mv="urn:schemas-microsoft-com:mac:vml" xmlns:mc="http://schemas.openxmlformats.org/markup-compatibility/2006" xmlns="" r:id="rId17" roundtripDataSignature="AMtx7mj5GdbxsaFl02bTEFBl/9s84/Z/Bw=="/>
     </p:ext>
   </p:extLst>
 </p:presentation>
@@ -877,103 +877,6 @@
               </a:spcAft>
               <a:buNone/>
             </a:pPr>
-            <a:r>
-              <a:rPr lang="en-US" dirty="0"/>
-              <a:t>Read, Write, Erase, Flush</a:t>
-            </a:r>
-          </a:p>
-          <a:p>
-            <a:pPr marL="0" lvl="0" indent="0" algn="l" rtl="0">
-              <a:spcBef>
-                <a:spcPts val="0"/>
-              </a:spcBef>
-              <a:spcAft>
-                <a:spcPts val="0"/>
-              </a:spcAft>
-              <a:buNone/>
-            </a:pPr>
-            <a:r>
-              <a:rPr lang="en-US" dirty="0" err="1"/>
-              <a:t>FullRead</a:t>
-            </a:r>
-            <a:r>
-              <a:rPr lang="en-US" dirty="0"/>
-              <a:t>, </a:t>
-            </a:r>
-            <a:r>
-              <a:rPr lang="en-US" dirty="0" err="1"/>
-              <a:t>FullWrite</a:t>
-            </a:r>
-            <a:endParaRPr lang="en-US" dirty="0"/>
-          </a:p>
-          <a:p>
-            <a:pPr marL="0" lvl="0" indent="0" algn="l" rtl="0">
-              <a:spcBef>
-                <a:spcPts val="0"/>
-              </a:spcBef>
-              <a:spcAft>
-                <a:spcPts val="0"/>
-              </a:spcAft>
-              <a:buNone/>
-            </a:pPr>
-            <a:endParaRPr lang="en-US" dirty="0"/>
-          </a:p>
-          <a:p>
-            <a:pPr marL="0" lvl="0" indent="0" algn="l" rtl="0">
-              <a:spcBef>
-                <a:spcPts val="0"/>
-              </a:spcBef>
-              <a:spcAft>
-                <a:spcPts val="0"/>
-              </a:spcAft>
-              <a:buNone/>
-            </a:pPr>
-            <a:r>
-              <a:rPr lang="en-US" dirty="0"/>
-              <a:t>Script Mode (1, 2, 3)</a:t>
-            </a:r>
-          </a:p>
-          <a:p>
-            <a:pPr marL="0" lvl="0" indent="0" algn="l" rtl="0">
-              <a:spcBef>
-                <a:spcPts val="0"/>
-              </a:spcBef>
-              <a:spcAft>
-                <a:spcPts val="0"/>
-              </a:spcAft>
-              <a:buNone/>
-            </a:pPr>
-            <a:endParaRPr lang="en-US" dirty="0"/>
-          </a:p>
-          <a:p>
-            <a:pPr marL="0" lvl="0" indent="0" algn="l" rtl="0">
-              <a:spcBef>
-                <a:spcPts val="0"/>
-              </a:spcBef>
-              <a:spcAft>
-                <a:spcPts val="0"/>
-              </a:spcAft>
-              <a:buNone/>
-            </a:pPr>
-            <a:r>
-              <a:rPr lang="en-US" dirty="0"/>
-              <a:t>Logger</a:t>
-            </a:r>
-          </a:p>
-          <a:p>
-            <a:pPr marL="0" lvl="0" indent="0" algn="l" rtl="0">
-              <a:spcBef>
-                <a:spcPts val="0"/>
-              </a:spcBef>
-              <a:spcAft>
-                <a:spcPts val="0"/>
-              </a:spcAft>
-              <a:buNone/>
-            </a:pPr>
-            <a:r>
-              <a:rPr lang="en-US" dirty="0"/>
-              <a:t>Buffer</a:t>
-            </a:r>
             <a:endParaRPr dirty="0"/>
           </a:p>
         </p:txBody>
@@ -1567,6 +1470,77 @@
               <a:t>.</a:t>
             </a:r>
           </a:p>
+          <a:p>
+            <a:pPr marL="0" lvl="0" indent="0" algn="l" rtl="0">
+              <a:spcBef>
+                <a:spcPts val="0"/>
+              </a:spcBef>
+              <a:spcAft>
+                <a:spcPts val="0"/>
+              </a:spcAft>
+              <a:buNone/>
+            </a:pPr>
+            <a:endParaRPr lang="en-US" altLang="ko-KR" dirty="0"/>
+          </a:p>
+          <a:p>
+            <a:pPr marL="0" lvl="0" indent="0" algn="l" rtl="0">
+              <a:spcBef>
+                <a:spcPts val="0"/>
+              </a:spcBef>
+              <a:spcAft>
+                <a:spcPts val="0"/>
+              </a:spcAft>
+              <a:buNone/>
+            </a:pPr>
+            <a:r>
+              <a:rPr lang="ko-KR" altLang="en-US" dirty="0"/>
+              <a:t>또한</a:t>
+            </a:r>
+            <a:r>
+              <a:rPr lang="en-US" altLang="ko-KR" dirty="0"/>
+              <a:t>, </a:t>
+            </a:r>
+            <a:r>
+              <a:rPr lang="ko-KR" altLang="en-US" dirty="0"/>
+              <a:t>프로그램 특성 상</a:t>
+            </a:r>
+            <a:r>
+              <a:rPr lang="en-US" altLang="ko-KR" dirty="0"/>
+              <a:t> SSD</a:t>
+            </a:r>
+            <a:r>
+              <a:rPr lang="ko-KR" altLang="en-US" dirty="0"/>
+              <a:t>와 </a:t>
+            </a:r>
+            <a:r>
+              <a:rPr lang="en-US" altLang="ko-KR" dirty="0" err="1"/>
+              <a:t>CommandBufferManager</a:t>
+            </a:r>
+            <a:r>
+              <a:rPr lang="ko-KR" altLang="en-US" dirty="0"/>
+              <a:t>는 </a:t>
+            </a:r>
+            <a:r>
+              <a:rPr lang="en-US" altLang="ko-KR" dirty="0"/>
+              <a:t>1</a:t>
+            </a:r>
+            <a:r>
+              <a:rPr lang="ko-KR" altLang="en-US" dirty="0"/>
+              <a:t>개의 객체만 있어야 하기 때문에 </a:t>
+            </a:r>
+            <a:r>
+              <a:rPr lang="en-US" altLang="ko-KR" dirty="0"/>
+              <a:t>Singleton </a:t>
+            </a:r>
+            <a:r>
+              <a:rPr lang="ko-KR" altLang="en-US" dirty="0"/>
+              <a:t>패턴을 적용하여 개발하였습니다</a:t>
+            </a:r>
+            <a:r>
+              <a:rPr lang="en-US" altLang="ko-KR" dirty="0"/>
+              <a:t>.</a:t>
+            </a:r>
+          </a:p>
         </p:txBody>
       </p:sp>
       <p:sp>
@@ -2113,28 +2087,44 @@
               <a:buNone/>
             </a:pPr>
             <a:r>
-              <a:rPr lang="en-US" dirty="0" err="1"/>
-              <a:t>TestScript</a:t>
-            </a:r>
-            <a:r>
-              <a:rPr lang="ko-KR" altLang="en-US" dirty="0"/>
-              <a:t>를 전체 프로젝트 </a:t>
+              <a:rPr lang="ko-KR" altLang="en-US" dirty="0"/>
+              <a:t>불필요한 전체 </a:t>
             </a:r>
             <a:r>
               <a:rPr lang="ko-KR" altLang="en-US" dirty="0" err="1"/>
-              <a:t>재빌드</a:t>
-            </a:r>
-            <a:r>
-              <a:rPr lang="ko-KR" altLang="en-US" dirty="0"/>
-              <a:t> 없이 추가하기 위해 </a:t>
+              <a:t>재빌드를</a:t>
+            </a:r>
+            <a:r>
+              <a:rPr lang="ko-KR" altLang="en-US" dirty="0"/>
+              <a:t> 피하기 위해 </a:t>
             </a:r>
             <a:r>
               <a:rPr lang="en-US" altLang="ko-KR" dirty="0" err="1"/>
               <a:t>TestScript</a:t>
             </a:r>
             <a:r>
-              <a:rPr lang="ko-KR" altLang="en-US" dirty="0"/>
-              <a:t>라는 프로젝트를 추가하였습니다</a:t>
+              <a:rPr lang="en-US" altLang="ko-KR" dirty="0"/>
+              <a:t> </a:t>
+            </a:r>
+            <a:r>
+              <a:rPr lang="ko-KR" altLang="en-US" dirty="0"/>
+              <a:t>프로젝트를 생성하였고</a:t>
+            </a:r>
+            <a:r>
+              <a:rPr lang="en-US" altLang="ko-KR" dirty="0"/>
+              <a:t>, </a:t>
+            </a:r>
+            <a:r>
+              <a:rPr lang="ko-KR" altLang="en-US" dirty="0"/>
+              <a:t>이 프로젝트에서 새로운 </a:t>
+            </a:r>
+            <a:r>
+              <a:rPr lang="en-US" altLang="ko-KR" dirty="0" err="1"/>
+              <a:t>TestScript</a:t>
+            </a:r>
+            <a:r>
+              <a:rPr lang="ko-KR" altLang="en-US" dirty="0"/>
+              <a:t>를 개발할 수 있도록 하였습니다</a:t>
             </a:r>
             <a:r>
               <a:rPr lang="en-US" altLang="ko-KR" dirty="0"/>
@@ -2307,7 +2297,7 @@
             </a:r>
             <a:r>
               <a:rPr lang="ko-KR" altLang="en-US" dirty="0"/>
-              <a:t>를 사용하여</a:t>
+              <a:t>를 적용하였고</a:t>
             </a:r>
             <a:r>
               <a:rPr lang="en-US" altLang="ko-KR" dirty="0"/>
@@ -2315,7 +2305,7 @@
             </a:r>
             <a:r>
               <a:rPr lang="ko-KR" altLang="en-US" dirty="0"/>
-              <a:t>함수 이름을 사용하여 원하는 </a:t>
+              <a:t>함수 이름을 이용하여 원하는 </a:t>
             </a:r>
             <a:r>
               <a:rPr lang="en-US" altLang="ko-KR" dirty="0" err="1"/>
@@ -2333,6 +2323,7 @@
               <a:rPr lang="en-US" altLang="ko-KR" dirty="0"/>
               <a:t>.</a:t>
             </a:r>
+            <a:endParaRPr lang="en-US" dirty="0"/>
           </a:p>
           <a:p>
             <a:pPr marL="0" lvl="0" indent="0" algn="l" rtl="0">
@@ -2344,37 +2335,25 @@
               </a:spcAft>
               <a:buNone/>
             </a:pPr>
-            <a:endParaRPr lang="en-US" dirty="0"/>
-          </a:p>
-          <a:p>
-            <a:pPr marL="0" lvl="0" indent="0" algn="l" rtl="0">
-              <a:spcBef>
-                <a:spcPts val="0"/>
-              </a:spcBef>
-              <a:spcAft>
-                <a:spcPts val="0"/>
-              </a:spcAft>
-              <a:buNone/>
-            </a:pPr>
-            <a:r>
-              <a:rPr lang="ko-KR" altLang="en-US" dirty="0"/>
-              <a:t>앞서 </a:t>
-            </a:r>
-            <a:r>
-              <a:rPr lang="ko-KR" altLang="en-US" dirty="0" err="1"/>
-              <a:t>설명드렸던</a:t>
-            </a:r>
-            <a:r>
-              <a:rPr lang="ko-KR" altLang="en-US" dirty="0"/>
-              <a:t> </a:t>
-            </a:r>
             <a:r>
               <a:rPr lang="en-US" altLang="ko-KR" dirty="0" err="1"/>
               <a:t>TestScriptRunner</a:t>
             </a:r>
             <a:r>
               <a:rPr lang="ko-KR" altLang="en-US" dirty="0"/>
-              <a:t>는 사용자 명령이 </a:t>
+              <a:t>는 </a:t>
+            </a:r>
+            <a:r>
+              <a:rPr lang="en-US" altLang="ko-KR" dirty="0" err="1"/>
+              <a:t>ITestScript</a:t>
+            </a:r>
+            <a:r>
+              <a:rPr lang="en-US" altLang="ko-KR" dirty="0"/>
+              <a:t> interface</a:t>
+            </a:r>
+            <a:r>
+              <a:rPr lang="ko-KR" altLang="en-US" dirty="0"/>
+              <a:t>를 상속받은 </a:t>
             </a:r>
             <a:r>
               <a:rPr lang="en-US" altLang="ko-KR" dirty="0" err="1"/>
@@ -2382,7 +2361,42 @@
             </a:r>
             <a:r>
               <a:rPr lang="ko-KR" altLang="en-US" dirty="0"/>
-              <a:t>인 경우를 선별하여 </a:t>
+              <a:t>를 호출하여 수행하는 방식으로 구현되었습니다</a:t>
+            </a:r>
+            <a:r>
+              <a:rPr lang="en-US" altLang="ko-KR" dirty="0"/>
+              <a:t>.</a:t>
+            </a:r>
+          </a:p>
+          <a:p>
+            <a:pPr marL="0" lvl="0" indent="0" algn="l" rtl="0">
+              <a:spcBef>
+                <a:spcPts val="0"/>
+              </a:spcBef>
+              <a:spcAft>
+                <a:spcPts val="0"/>
+              </a:spcAft>
+              <a:buNone/>
+            </a:pPr>
+            <a:endParaRPr lang="en-US" dirty="0"/>
+          </a:p>
+          <a:p>
+            <a:pPr marL="0" lvl="0" indent="0" algn="l" rtl="0">
+              <a:spcBef>
+                <a:spcPts val="0"/>
+              </a:spcBef>
+              <a:spcAft>
+                <a:spcPts val="0"/>
+              </a:spcAft>
+              <a:buNone/>
+            </a:pPr>
+            <a:r>
+              <a:rPr lang="ko-KR" altLang="en-US" dirty="0"/>
+              <a:t>또한</a:t>
+            </a:r>
+            <a:r>
+              <a:rPr lang="en-US" altLang="ko-KR" dirty="0"/>
+              <a:t>, </a:t>
             </a:r>
             <a:r>
               <a:rPr lang="en-US" altLang="ko-KR" dirty="0" err="1"/>
@@ -2394,7 +2408,19 @@
             </a:r>
             <a:r>
               <a:rPr lang="ko-KR" altLang="en-US" dirty="0"/>
-              <a:t>를 상속받은 </a:t>
+              <a:t>에서 </a:t>
+            </a:r>
+            <a:r>
+              <a:rPr lang="en-US" altLang="ko-KR" dirty="0"/>
+              <a:t>Logger</a:t>
+            </a:r>
+            <a:r>
+              <a:rPr lang="ko-KR" altLang="en-US" dirty="0"/>
+              <a:t>를 가지고 있도록 구현하였고</a:t>
+            </a:r>
+            <a:r>
+              <a:rPr lang="en-US" altLang="ko-KR" dirty="0"/>
+              <a:t>, </a:t>
             </a:r>
             <a:r>
               <a:rPr lang="en-US" altLang="ko-KR" dirty="0" err="1"/>
@@ -2402,70 +2428,7 @@
             </a:r>
             <a:r>
               <a:rPr lang="ko-KR" altLang="en-US" dirty="0"/>
-              <a:t>를 호출하여 수행하는 방식으로 구현되었습니다</a:t>
-            </a:r>
-            <a:r>
-              <a:rPr lang="en-US" altLang="ko-KR" dirty="0"/>
-              <a:t>.</a:t>
-            </a:r>
-          </a:p>
-          <a:p>
-            <a:pPr marL="0" lvl="0" indent="0" algn="l" rtl="0">
-              <a:spcBef>
-                <a:spcPts val="0"/>
-              </a:spcBef>
-              <a:spcAft>
-                <a:spcPts val="0"/>
-              </a:spcAft>
-              <a:buNone/>
-            </a:pPr>
-            <a:endParaRPr lang="en-US" dirty="0"/>
-          </a:p>
-          <a:p>
-            <a:pPr marL="0" lvl="0" indent="0" algn="l" rtl="0">
-              <a:spcBef>
-                <a:spcPts val="0"/>
-              </a:spcBef>
-              <a:spcAft>
-                <a:spcPts val="0"/>
-              </a:spcAft>
-              <a:buNone/>
-            </a:pPr>
-            <a:r>
-              <a:rPr lang="ko-KR" altLang="en-US" dirty="0"/>
-              <a:t>또한</a:t>
-            </a:r>
-            <a:r>
-              <a:rPr lang="en-US" altLang="ko-KR" dirty="0"/>
-              <a:t>, </a:t>
-            </a:r>
-            <a:r>
-              <a:rPr lang="en-US" altLang="ko-KR" dirty="0" err="1"/>
-              <a:t>ITestScript</a:t>
-            </a:r>
-            <a:r>
-              <a:rPr lang="en-US" altLang="ko-KR" dirty="0"/>
-              <a:t> interface</a:t>
-            </a:r>
-            <a:r>
-              <a:rPr lang="ko-KR" altLang="en-US" dirty="0"/>
-              <a:t>에서 </a:t>
-            </a:r>
-            <a:r>
-              <a:rPr lang="en-US" altLang="ko-KR" dirty="0"/>
-              <a:t>Logger</a:t>
-            </a:r>
-            <a:r>
-              <a:rPr lang="ko-KR" altLang="en-US" dirty="0"/>
-              <a:t>를 가지고 있도록 구현하였고</a:t>
-            </a:r>
-            <a:r>
-              <a:rPr lang="en-US" altLang="ko-KR" dirty="0"/>
-              <a:t>, </a:t>
-            </a:r>
-            <a:r>
-              <a:rPr lang="ko-KR" altLang="en-US" dirty="0"/>
-              <a:t>따로 빌드하기 위해 </a:t>
+              <a:t>만 빌드하기 위해 </a:t>
             </a:r>
             <a:r>
               <a:rPr lang="en-US" altLang="ko-KR" dirty="0" err="1"/>
@@ -3560,15 +3523,51 @@
             </a:pPr>
             <a:r>
               <a:rPr lang="ko-KR" altLang="en-US" dirty="0"/>
-              <a:t>저희 팀은 </a:t>
-            </a:r>
-            <a:r>
-              <a:rPr lang="en-US" altLang="ko-KR" dirty="0"/>
-              <a:t>TDD </a:t>
-            </a:r>
-            <a:r>
-              <a:rPr lang="ko-KR" altLang="en-US" dirty="0"/>
-              <a:t>과정 중에도 </a:t>
+              <a:t>저희 팀에서는 총 </a:t>
+            </a:r>
+            <a:r>
+              <a:rPr lang="en-US" altLang="ko-KR" dirty="0"/>
+              <a:t>63</a:t>
+            </a:r>
+            <a:r>
+              <a:rPr lang="ko-KR" altLang="en-US" dirty="0"/>
+              <a:t>개의 </a:t>
+            </a:r>
+            <a:r>
+              <a:rPr lang="en-US" altLang="ko-KR" dirty="0"/>
+              <a:t>PR </a:t>
+            </a:r>
+            <a:r>
+              <a:rPr lang="ko-KR" altLang="en-US" dirty="0"/>
+              <a:t>중 </a:t>
+            </a:r>
+            <a:r>
+              <a:rPr lang="en-US" altLang="ko-KR" dirty="0"/>
+              <a:t>23</a:t>
+            </a:r>
+            <a:r>
+              <a:rPr lang="ko-KR" altLang="en-US" dirty="0"/>
+              <a:t>개의 </a:t>
+            </a:r>
+            <a:r>
+              <a:rPr lang="en-US" altLang="ko-KR" dirty="0"/>
+              <a:t>PR</a:t>
+            </a:r>
+            <a:r>
+              <a:rPr lang="ko-KR" altLang="en-US" dirty="0"/>
+              <a:t>이 </a:t>
+            </a:r>
+            <a:r>
+              <a:rPr lang="en-US" altLang="ko-KR" dirty="0"/>
+              <a:t>refactoring</a:t>
+            </a:r>
+            <a:r>
+              <a:rPr lang="ko-KR" altLang="en-US" dirty="0"/>
+              <a:t>에 관련된 것일 정도로</a:t>
+            </a:r>
+            <a:r>
+              <a:rPr lang="en-US" altLang="ko-KR" dirty="0"/>
+              <a:t> </a:t>
             </a:r>
             <a:r>
               <a:rPr lang="ko-KR" altLang="en-US" dirty="0" err="1"/>
@@ -3576,7 +3575,127 @@
             </a:r>
             <a:r>
               <a:rPr lang="ko-KR" altLang="en-US" dirty="0"/>
-              <a:t> 진행하였고</a:t>
+              <a:t> 많이 수행하였습니다</a:t>
+            </a:r>
+            <a:r>
+              <a:rPr lang="en-US" altLang="ko-KR" dirty="0"/>
+              <a:t>.</a:t>
+            </a:r>
+          </a:p>
+          <a:p>
+            <a:pPr marL="0" lvl="0" indent="0" algn="l" rtl="0">
+              <a:spcBef>
+                <a:spcPts val="0"/>
+              </a:spcBef>
+              <a:spcAft>
+                <a:spcPts val="0"/>
+              </a:spcAft>
+              <a:buNone/>
+            </a:pPr>
+            <a:r>
+              <a:rPr lang="ko-KR" altLang="en-US" dirty="0"/>
+              <a:t>그 중 </a:t>
+            </a:r>
+            <a:r>
+              <a:rPr lang="en-US" altLang="ko-KR" dirty="0"/>
+              <a:t>test </a:t>
+            </a:r>
+            <a:r>
+              <a:rPr lang="ko-KR" altLang="en-US" dirty="0"/>
+              <a:t>코드에 대한 </a:t>
+            </a:r>
+            <a:r>
+              <a:rPr lang="ko-KR" altLang="en-US" dirty="0" err="1"/>
+              <a:t>리팩토링을</a:t>
+            </a:r>
+            <a:r>
+              <a:rPr lang="ko-KR" altLang="en-US" dirty="0"/>
+              <a:t> 예시로 비교를 해보겠습니다</a:t>
+            </a:r>
+            <a:r>
+              <a:rPr lang="en-US" altLang="ko-KR" dirty="0"/>
+              <a:t>.</a:t>
+            </a:r>
+          </a:p>
+          <a:p>
+            <a:pPr marL="0" lvl="0" indent="0" algn="l" rtl="0">
+              <a:spcBef>
+                <a:spcPts val="0"/>
+              </a:spcBef>
+              <a:spcAft>
+                <a:spcPts val="0"/>
+              </a:spcAft>
+              <a:buNone/>
+            </a:pPr>
+            <a:endParaRPr lang="en-US" altLang="ko-KR" dirty="0"/>
+          </a:p>
+          <a:p>
+            <a:pPr marL="0" lvl="0" indent="0" algn="l" rtl="0">
+              <a:spcBef>
+                <a:spcPts val="0"/>
+              </a:spcBef>
+              <a:spcAft>
+                <a:spcPts val="0"/>
+              </a:spcAft>
+              <a:buNone/>
+            </a:pPr>
+            <a:r>
+              <a:rPr lang="ko-KR" altLang="en-US" dirty="0"/>
+              <a:t>개발이 진행됨에 따라 많은 </a:t>
+            </a:r>
+            <a:r>
+              <a:rPr lang="en-US" altLang="ko-KR" dirty="0"/>
+              <a:t>testcase</a:t>
+            </a:r>
+            <a:r>
+              <a:rPr lang="ko-KR" altLang="en-US" dirty="0"/>
+              <a:t>가 쌓여서 관리가 필요하다는 생각이 들었습니다</a:t>
+            </a:r>
+            <a:r>
+              <a:rPr lang="en-US" altLang="ko-KR" dirty="0"/>
+              <a:t>.</a:t>
+            </a:r>
+          </a:p>
+          <a:p>
+            <a:pPr marL="0" lvl="0" indent="0" algn="l" rtl="0">
+              <a:spcBef>
+                <a:spcPts val="0"/>
+              </a:spcBef>
+              <a:spcAft>
+                <a:spcPts val="0"/>
+              </a:spcAft>
+              <a:buNone/>
+            </a:pPr>
+            <a:r>
+              <a:rPr lang="ko-KR" altLang="en-US" dirty="0"/>
+              <a:t>그래서 </a:t>
+            </a:r>
+            <a:r>
+              <a:rPr lang="en-US" altLang="ko-KR" dirty="0"/>
+              <a:t>fixture</a:t>
+            </a:r>
+            <a:r>
+              <a:rPr lang="ko-KR" altLang="en-US" dirty="0"/>
+              <a:t>를 만들어 기본적으로 선언되어야 할 것들을 따로 모아 코드 중복을 줄였습니다</a:t>
+            </a:r>
+            <a:r>
+              <a:rPr lang="en-US" altLang="ko-KR" dirty="0"/>
+              <a:t>.</a:t>
+            </a:r>
+          </a:p>
+          <a:p>
+            <a:pPr marL="0" lvl="0" indent="0" algn="l" rtl="0">
+              <a:spcBef>
+                <a:spcPts val="0"/>
+              </a:spcBef>
+              <a:spcAft>
+                <a:spcPts val="0"/>
+              </a:spcAft>
+              <a:buNone/>
+            </a:pPr>
+            <a:r>
+              <a:rPr lang="ko-KR" altLang="en-US" dirty="0"/>
+              <a:t>또한</a:t>
             </a:r>
             <a:r>
               <a:rPr lang="en-US" altLang="ko-KR" dirty="0"/>
@@ -3584,15 +3703,23 @@
             </a:r>
             <a:r>
               <a:rPr lang="ko-KR" altLang="en-US" dirty="0"/>
-              <a:t>별개로 전체 시스템에 대한 </a:t>
-            </a:r>
-            <a:r>
-              <a:rPr lang="ko-KR" altLang="en-US" dirty="0" err="1"/>
-              <a:t>리팩토링도</a:t>
-            </a:r>
-            <a:r>
-              <a:rPr lang="ko-KR" altLang="en-US" dirty="0"/>
-              <a:t> 주기적으로 진행하였습니다</a:t>
+              <a:t>여러 이름으로 </a:t>
+            </a:r>
+            <a:r>
+              <a:rPr lang="en-US" altLang="ko-KR" dirty="0"/>
+              <a:t>test fixture</a:t>
+            </a:r>
+            <a:r>
+              <a:rPr lang="ko-KR" altLang="en-US" dirty="0"/>
+              <a:t>를 생성하여</a:t>
+            </a:r>
+            <a:r>
+              <a:rPr lang="en-US" altLang="ko-KR" dirty="0"/>
+              <a:t>, testcase</a:t>
+            </a:r>
+            <a:r>
+              <a:rPr lang="ko-KR" altLang="en-US" dirty="0"/>
+              <a:t>에서 어떤 동작을 하는지 구별하기 쉽게 카테고리로 묶는 작업을 진행하였습니다</a:t>
             </a:r>
             <a:r>
               <a:rPr lang="en-US" altLang="ko-KR" dirty="0"/>
@@ -3609,18 +3736,7 @@
               </a:spcAft>
               <a:buNone/>
             </a:pPr>
-            <a:r>
-              <a:rPr lang="ko-KR" altLang="en-US" dirty="0"/>
-              <a:t>그 중 하나를 예시로 </a:t>
-            </a:r>
-            <a:r>
-              <a:rPr lang="ko-KR" altLang="en-US" dirty="0" err="1"/>
-              <a:t>설명드리겠습니다</a:t>
-            </a:r>
-            <a:r>
-              <a:rPr lang="en-US" altLang="ko-KR" dirty="0"/>
-              <a:t>.</a:t>
-            </a:r>
+            <a:endParaRPr lang="en-US" altLang="ko-KR" dirty="0"/>
           </a:p>
           <a:p>
             <a:pPr marL="0" lvl="0" indent="0" algn="l" rtl="0">
@@ -3632,21 +3748,25 @@
               </a:spcAft>
               <a:buNone/>
             </a:pPr>
-            <a:endParaRPr lang="en-US" altLang="ko-KR" dirty="0"/>
-          </a:p>
-          <a:p>
-            <a:pPr marL="0" lvl="0" indent="0" algn="l" rtl="0">
-              <a:spcBef>
-                <a:spcPts val="0"/>
-              </a:spcBef>
-              <a:spcAft>
-                <a:spcPts val="0"/>
-              </a:spcAft>
-              <a:buNone/>
-            </a:pPr>
-            <a:r>
-              <a:rPr lang="ko-KR" altLang="en-US" dirty="0"/>
-              <a:t>개발이 진행됨에 따라 많은 </a:t>
+            <a:r>
+              <a:rPr lang="ko-KR" altLang="en-US" dirty="0"/>
+              <a:t>결과적으로</a:t>
+            </a:r>
+            <a:r>
+              <a:rPr lang="en-US" altLang="ko-KR" dirty="0"/>
+              <a:t> </a:t>
+            </a:r>
+            <a:r>
+              <a:rPr lang="ko-KR" altLang="en-US" dirty="0"/>
+              <a:t>코드 길이도 줄어들고 가독성도 좋아졌으며</a:t>
+            </a:r>
+            <a:r>
+              <a:rPr lang="en-US" altLang="ko-KR" dirty="0"/>
+              <a:t>, </a:t>
+            </a:r>
+            <a:r>
+              <a:rPr lang="ko-KR" altLang="en-US" dirty="0"/>
+              <a:t>많은 </a:t>
             </a:r>
             <a:r>
               <a:rPr lang="en-US" altLang="ko-KR" dirty="0"/>
@@ -3654,156 +3774,7 @@
             </a:r>
             <a:r>
               <a:rPr lang="ko-KR" altLang="en-US" dirty="0"/>
-              <a:t>가 쌓여서 관리가 필요하다는 생각이 들었습니다</a:t>
-            </a:r>
-            <a:r>
-              <a:rPr lang="en-US" altLang="ko-KR" dirty="0"/>
-              <a:t>.</a:t>
-            </a:r>
-          </a:p>
-          <a:p>
-            <a:pPr marL="0" lvl="0" indent="0" algn="l" rtl="0">
-              <a:spcBef>
-                <a:spcPts val="0"/>
-              </a:spcBef>
-              <a:spcAft>
-                <a:spcPts val="0"/>
-              </a:spcAft>
-              <a:buNone/>
-            </a:pPr>
-            <a:r>
-              <a:rPr lang="ko-KR" altLang="en-US" dirty="0"/>
-              <a:t>그래서 </a:t>
-            </a:r>
-            <a:r>
-              <a:rPr lang="en-US" altLang="ko-KR" dirty="0"/>
-              <a:t>fixture</a:t>
-            </a:r>
-            <a:r>
-              <a:rPr lang="ko-KR" altLang="en-US" dirty="0"/>
-              <a:t>를 만들어 기본적으로 선언되어야 할 것들을 따로 모아 코드 중복을 줄였습니다</a:t>
-            </a:r>
-            <a:r>
-              <a:rPr lang="en-US" altLang="ko-KR" dirty="0"/>
-              <a:t>.</a:t>
-            </a:r>
-          </a:p>
-          <a:p>
-            <a:pPr marL="0" lvl="0" indent="0" algn="l" rtl="0">
-              <a:spcBef>
-                <a:spcPts val="0"/>
-              </a:spcBef>
-              <a:spcAft>
-                <a:spcPts val="0"/>
-              </a:spcAft>
-              <a:buNone/>
-            </a:pPr>
-            <a:r>
-              <a:rPr lang="ko-KR" altLang="en-US" dirty="0"/>
-              <a:t>또한</a:t>
-            </a:r>
-            <a:r>
-              <a:rPr lang="en-US" altLang="ko-KR" dirty="0"/>
-              <a:t>, </a:t>
-            </a:r>
-            <a:r>
-              <a:rPr lang="ko-KR" altLang="en-US" dirty="0"/>
-              <a:t>여러 이름으로 </a:t>
-            </a:r>
-            <a:r>
-              <a:rPr lang="en-US" altLang="ko-KR" dirty="0"/>
-              <a:t>test fixture</a:t>
-            </a:r>
-            <a:r>
-              <a:rPr lang="ko-KR" altLang="en-US" dirty="0"/>
-              <a:t>를 생성하여</a:t>
-            </a:r>
-            <a:r>
-              <a:rPr lang="en-US" altLang="ko-KR" dirty="0"/>
-              <a:t>, </a:t>
-            </a:r>
-            <a:r>
-              <a:rPr lang="ko-KR" altLang="en-US" dirty="0"/>
-              <a:t>동일한 </a:t>
-            </a:r>
-            <a:r>
-              <a:rPr lang="en-US" altLang="ko-KR" dirty="0"/>
-              <a:t>fixture</a:t>
-            </a:r>
-            <a:r>
-              <a:rPr lang="ko-KR" altLang="en-US" dirty="0"/>
-              <a:t>여도 </a:t>
-            </a:r>
-            <a:r>
-              <a:rPr lang="en-US" altLang="ko-KR" dirty="0"/>
-              <a:t>testcase</a:t>
-            </a:r>
-            <a:r>
-              <a:rPr lang="ko-KR" altLang="en-US" dirty="0"/>
-              <a:t>에서 어떤 동작을 하는지 구별하기 쉽게 </a:t>
-            </a:r>
-            <a:r>
-              <a:rPr lang="en-US" altLang="ko-KR" dirty="0"/>
-              <a:t>categorize</a:t>
-            </a:r>
-            <a:r>
-              <a:rPr lang="ko-KR" altLang="en-US" dirty="0"/>
-              <a:t>를 진행하였습니다</a:t>
-            </a:r>
-            <a:r>
-              <a:rPr lang="en-US" altLang="ko-KR" dirty="0"/>
-              <a:t>.</a:t>
-            </a:r>
-          </a:p>
-          <a:p>
-            <a:pPr marL="0" lvl="0" indent="0" algn="l" rtl="0">
-              <a:spcBef>
-                <a:spcPts val="0"/>
-              </a:spcBef>
-              <a:spcAft>
-                <a:spcPts val="0"/>
-              </a:spcAft>
-              <a:buNone/>
-            </a:pPr>
-            <a:endParaRPr lang="en-US" altLang="ko-KR" dirty="0"/>
-          </a:p>
-          <a:p>
-            <a:pPr marL="0" lvl="0" indent="0" algn="l" rtl="0">
-              <a:spcBef>
-                <a:spcPts val="0"/>
-              </a:spcBef>
-              <a:spcAft>
-                <a:spcPts val="0"/>
-              </a:spcAft>
-              <a:buNone/>
-            </a:pPr>
-            <a:r>
-              <a:rPr lang="ko-KR" altLang="en-US" dirty="0"/>
-              <a:t>결과적으로</a:t>
-            </a:r>
-            <a:r>
-              <a:rPr lang="en-US" altLang="ko-KR" dirty="0"/>
-              <a:t> </a:t>
-            </a:r>
-            <a:r>
-              <a:rPr lang="ko-KR" altLang="en-US" dirty="0"/>
-              <a:t>코드 길이도 줄어들고 가독성도 좋아졌으며</a:t>
-            </a:r>
-            <a:r>
-              <a:rPr lang="en-US" altLang="ko-KR" dirty="0"/>
-              <a:t>, </a:t>
-            </a:r>
-            <a:r>
-              <a:rPr lang="ko-KR" altLang="en-US" dirty="0"/>
-              <a:t>구분이 힘들 </a:t>
-            </a:r>
-            <a:r>
-              <a:rPr lang="en-US" altLang="ko-KR" dirty="0"/>
-              <a:t>testcase</a:t>
-            </a:r>
-            <a:r>
-              <a:rPr lang="ko-KR" altLang="en-US" dirty="0"/>
-              <a:t>들에 대해서도 쉽게 구분할 수 있게 되었습니다</a:t>
+              <a:t>들을 보다 쉽게 구분할 수 있게 되었습니다</a:t>
             </a:r>
             <a:r>
               <a:rPr lang="en-US" altLang="ko-KR" dirty="0"/>
